--- a/docs/diagrams/StorageComponentClassDiagram.pptx
+++ b/docs/diagrams/StorageComponentClassDiagram.pptx
@@ -208,7 +208,7 @@
           <a:p>
             <a:fld id="{F5CC4B3F-88C1-4FFA-B1B6-F41C21DC6924}" type="datetimeFigureOut">
               <a:rPr lang="en-US" smtClean="0"/>
-              <a:t>4/2/2018</a:t>
+              <a:t>4/3/2018</a:t>
             </a:fld>
             <a:endParaRPr lang="en-US"/>
           </a:p>
@@ -654,7 +654,7 @@
           <a:p>
             <a:fld id="{78C97017-6FC3-485B-9764-EAC9E56C1D49}" type="datetimeFigureOut">
               <a:rPr lang="en-US" smtClean="0"/>
-              <a:t>4/2/2018</a:t>
+              <a:t>4/3/2018</a:t>
             </a:fld>
             <a:endParaRPr lang="en-US"/>
           </a:p>
@@ -822,7 +822,7 @@
           <a:p>
             <a:fld id="{78C97017-6FC3-485B-9764-EAC9E56C1D49}" type="datetimeFigureOut">
               <a:rPr lang="en-US" smtClean="0"/>
-              <a:t>4/2/2018</a:t>
+              <a:t>4/3/2018</a:t>
             </a:fld>
             <a:endParaRPr lang="en-US"/>
           </a:p>
@@ -1000,7 +1000,7 @@
           <a:p>
             <a:fld id="{78C97017-6FC3-485B-9764-EAC9E56C1D49}" type="datetimeFigureOut">
               <a:rPr lang="en-US" smtClean="0"/>
-              <a:t>4/2/2018</a:t>
+              <a:t>4/3/2018</a:t>
             </a:fld>
             <a:endParaRPr lang="en-US"/>
           </a:p>
@@ -1168,7 +1168,7 @@
           <a:p>
             <a:fld id="{78C97017-6FC3-485B-9764-EAC9E56C1D49}" type="datetimeFigureOut">
               <a:rPr lang="en-US" smtClean="0"/>
-              <a:t>4/2/2018</a:t>
+              <a:t>4/3/2018</a:t>
             </a:fld>
             <a:endParaRPr lang="en-US"/>
           </a:p>
@@ -1413,7 +1413,7 @@
           <a:p>
             <a:fld id="{78C97017-6FC3-485B-9764-EAC9E56C1D49}" type="datetimeFigureOut">
               <a:rPr lang="en-US" smtClean="0"/>
-              <a:t>4/2/2018</a:t>
+              <a:t>4/3/2018</a:t>
             </a:fld>
             <a:endParaRPr lang="en-US"/>
           </a:p>
@@ -1698,7 +1698,7 @@
           <a:p>
             <a:fld id="{78C97017-6FC3-485B-9764-EAC9E56C1D49}" type="datetimeFigureOut">
               <a:rPr lang="en-US" smtClean="0"/>
-              <a:t>4/2/2018</a:t>
+              <a:t>4/3/2018</a:t>
             </a:fld>
             <a:endParaRPr lang="en-US"/>
           </a:p>
@@ -2117,7 +2117,7 @@
           <a:p>
             <a:fld id="{78C97017-6FC3-485B-9764-EAC9E56C1D49}" type="datetimeFigureOut">
               <a:rPr lang="en-US" smtClean="0"/>
-              <a:t>4/2/2018</a:t>
+              <a:t>4/3/2018</a:t>
             </a:fld>
             <a:endParaRPr lang="en-US"/>
           </a:p>
@@ -2234,7 +2234,7 @@
           <a:p>
             <a:fld id="{78C97017-6FC3-485B-9764-EAC9E56C1D49}" type="datetimeFigureOut">
               <a:rPr lang="en-US" smtClean="0"/>
-              <a:t>4/2/2018</a:t>
+              <a:t>4/3/2018</a:t>
             </a:fld>
             <a:endParaRPr lang="en-US"/>
           </a:p>
@@ -2329,7 +2329,7 @@
           <a:p>
             <a:fld id="{78C97017-6FC3-485B-9764-EAC9E56C1D49}" type="datetimeFigureOut">
               <a:rPr lang="en-US" smtClean="0"/>
-              <a:t>4/2/2018</a:t>
+              <a:t>4/3/2018</a:t>
             </a:fld>
             <a:endParaRPr lang="en-US"/>
           </a:p>
@@ -2604,7 +2604,7 @@
           <a:p>
             <a:fld id="{78C97017-6FC3-485B-9764-EAC9E56C1D49}" type="datetimeFigureOut">
               <a:rPr lang="en-US" smtClean="0"/>
-              <a:t>4/2/2018</a:t>
+              <a:t>4/3/2018</a:t>
             </a:fld>
             <a:endParaRPr lang="en-US"/>
           </a:p>
@@ -2856,7 +2856,7 @@
           <a:p>
             <a:fld id="{78C97017-6FC3-485B-9764-EAC9E56C1D49}" type="datetimeFigureOut">
               <a:rPr lang="en-US" smtClean="0"/>
-              <a:t>4/2/2018</a:t>
+              <a:t>4/3/2018</a:t>
             </a:fld>
             <a:endParaRPr lang="en-US"/>
           </a:p>
@@ -3067,7 +3067,7 @@
           <a:p>
             <a:fld id="{78C97017-6FC3-485B-9764-EAC9E56C1D49}" type="datetimeFigureOut">
               <a:rPr lang="en-US" smtClean="0"/>
-              <a:t>4/2/2018</a:t>
+              <a:t>4/3/2018</a:t>
             </a:fld>
             <a:endParaRPr lang="en-US"/>
           </a:p>
@@ -3451,7 +3451,7 @@
         <p:spPr>
           <a:xfrm>
             <a:off x="1119865" y="2086382"/>
-            <a:ext cx="7871735" cy="2180818"/>
+            <a:ext cx="7871735" cy="2773258"/>
           </a:xfrm>
           <a:prstGeom prst="roundRect">
             <a:avLst>
@@ -3609,8 +3609,8 @@
         </p:nvSpPr>
         <p:spPr>
           <a:xfrm rot="16200000">
-            <a:off x="1683963" y="2868687"/>
-            <a:ext cx="1093635" cy="346760"/>
+            <a:off x="1344810" y="3207840"/>
+            <a:ext cx="1771942" cy="346760"/>
           </a:xfrm>
           <a:prstGeom prst="rect">
             <a:avLst/>
@@ -3672,7 +3672,7 @@
         </p:nvSpPr>
         <p:spPr>
           <a:xfrm rot="16200000">
-            <a:off x="956202" y="2861202"/>
+            <a:off x="956202" y="3242202"/>
             <a:ext cx="1093635" cy="346760"/>
           </a:xfrm>
           <a:prstGeom prst="rect">
@@ -3746,7 +3746,7 @@
         </p:nvSpPr>
         <p:spPr>
           <a:xfrm rot="16200000">
-            <a:off x="1626910" y="2952291"/>
+            <a:off x="1626910" y="3351352"/>
             <a:ext cx="270504" cy="175523"/>
           </a:xfrm>
           <a:prstGeom prst="triangle">
@@ -3845,7 +3845,7 @@
         </p:nvCxnSpPr>
         <p:spPr>
           <a:xfrm>
-            <a:off x="910091" y="3040053"/>
+            <a:off x="910091" y="3429000"/>
             <a:ext cx="419548" cy="2860"/>
           </a:xfrm>
           <a:prstGeom prst="bentConnector3">
@@ -3890,7 +3890,7 @@
         </p:nvCxnSpPr>
         <p:spPr>
           <a:xfrm flipV="1">
-            <a:off x="1849924" y="3040052"/>
+            <a:off x="1849924" y="3439113"/>
             <a:ext cx="216105" cy="1"/>
           </a:xfrm>
           <a:prstGeom prst="line">
@@ -4993,6 +4993,535 @@
           </a:fontRef>
         </p:style>
       </p:cxnSp>
+      <p:cxnSp>
+        <p:nvCxnSpPr>
+          <p:cNvPr id="34" name="Straight Arrow Connector 33">
+            <a:extLst>
+              <a:ext uri="{FF2B5EF4-FFF2-40B4-BE49-F238E27FC236}">
+                <a16:creationId xmlns:a16="http://schemas.microsoft.com/office/drawing/2014/main" id="{7408F88E-48AF-4E84-A6B7-3A3E55CEB2C1}"/>
+              </a:ext>
+            </a:extLst>
+          </p:cNvPr>
+          <p:cNvCxnSpPr>
+            <a:cxnSpLocks/>
+            <a:stCxn id="35" idx="3"/>
+          </p:cNvCxnSpPr>
+          <p:nvPr/>
+        </p:nvCxnSpPr>
+        <p:spPr>
+          <a:xfrm>
+            <a:off x="2655333" y="3972890"/>
+            <a:ext cx="135931" cy="9180"/>
+          </a:xfrm>
+          <a:prstGeom prst="straightConnector1">
+            <a:avLst/>
+          </a:prstGeom>
+          <a:ln w="19050">
+            <a:solidFill>
+              <a:schemeClr val="accent6">
+                <a:lumMod val="75000"/>
+              </a:schemeClr>
+            </a:solidFill>
+            <a:headEnd type="none" w="med" len="med"/>
+            <a:tailEnd type="arrow" w="med" len="med"/>
+          </a:ln>
+          <a:effectLst/>
+        </p:spPr>
+        <p:style>
+          <a:lnRef idx="1">
+            <a:schemeClr val="accent2"/>
+          </a:lnRef>
+          <a:fillRef idx="2">
+            <a:schemeClr val="accent2"/>
+          </a:fillRef>
+          <a:effectRef idx="1">
+            <a:schemeClr val="accent2"/>
+          </a:effectRef>
+          <a:fontRef idx="minor">
+            <a:schemeClr val="dk1"/>
+          </a:fontRef>
+        </p:style>
+      </p:cxnSp>
+      <p:sp>
+        <p:nvSpPr>
+          <p:cNvPr id="35" name="Flowchart: Decision 96">
+            <a:extLst>
+              <a:ext uri="{FF2B5EF4-FFF2-40B4-BE49-F238E27FC236}">
+                <a16:creationId xmlns:a16="http://schemas.microsoft.com/office/drawing/2014/main" id="{E941E6A2-ED1B-40D6-B195-5ECE976B4DD2}"/>
+              </a:ext>
+            </a:extLst>
+          </p:cNvPr>
+          <p:cNvSpPr/>
+          <p:nvPr/>
+        </p:nvSpPr>
+        <p:spPr>
+          <a:xfrm>
+            <a:off x="2419285" y="3886200"/>
+            <a:ext cx="236048" cy="173380"/>
+          </a:xfrm>
+          <a:prstGeom prst="flowChartDecision">
+            <a:avLst/>
+          </a:prstGeom>
+          <a:noFill/>
+          <a:ln w="19050">
+            <a:solidFill>
+              <a:schemeClr val="accent6">
+                <a:lumMod val="75000"/>
+              </a:schemeClr>
+            </a:solidFill>
+          </a:ln>
+          <a:effectLst/>
+        </p:spPr>
+        <p:style>
+          <a:lnRef idx="1">
+            <a:schemeClr val="accent2"/>
+          </a:lnRef>
+          <a:fillRef idx="2">
+            <a:schemeClr val="accent2"/>
+          </a:fillRef>
+          <a:effectRef idx="1">
+            <a:schemeClr val="accent2"/>
+          </a:effectRef>
+          <a:fontRef idx="minor">
+            <a:schemeClr val="dk1"/>
+          </a:fontRef>
+        </p:style>
+        <p:txBody>
+          <a:bodyPr rtlCol="0" anchor="ctr"/>
+          <a:lstStyle/>
+          <a:p>
+            <a:pPr algn="ctr"/>
+            <a:endParaRPr lang="en-US" sz="1050">
+              <a:solidFill>
+                <a:schemeClr val="bg1"/>
+              </a:solidFill>
+            </a:endParaRPr>
+          </a:p>
+        </p:txBody>
+      </p:sp>
+      <p:sp>
+        <p:nvSpPr>
+          <p:cNvPr id="36" name="Rectangle 8">
+            <a:extLst>
+              <a:ext uri="{FF2B5EF4-FFF2-40B4-BE49-F238E27FC236}">
+                <a16:creationId xmlns:a16="http://schemas.microsoft.com/office/drawing/2014/main" id="{24F40475-4E07-4236-B0A5-6F21FD22EE7C}"/>
+              </a:ext>
+            </a:extLst>
+          </p:cNvPr>
+          <p:cNvSpPr/>
+          <p:nvPr/>
+        </p:nvSpPr>
+        <p:spPr>
+          <a:xfrm>
+            <a:off x="2795113" y="3733800"/>
+            <a:ext cx="1449067" cy="422960"/>
+          </a:xfrm>
+          <a:prstGeom prst="rect">
+            <a:avLst/>
+          </a:prstGeom>
+          <a:solidFill>
+            <a:schemeClr val="accent6">
+              <a:lumMod val="75000"/>
+            </a:schemeClr>
+          </a:solidFill>
+          <a:ln w="19050">
+            <a:solidFill>
+              <a:schemeClr val="accent6">
+                <a:lumMod val="75000"/>
+              </a:schemeClr>
+            </a:solidFill>
+          </a:ln>
+          <a:effectLst/>
+        </p:spPr>
+        <p:style>
+          <a:lnRef idx="1">
+            <a:schemeClr val="accent2"/>
+          </a:lnRef>
+          <a:fillRef idx="2">
+            <a:schemeClr val="accent2"/>
+          </a:fillRef>
+          <a:effectRef idx="1">
+            <a:schemeClr val="accent2"/>
+          </a:effectRef>
+          <a:fontRef idx="minor">
+            <a:schemeClr val="dk1"/>
+          </a:fontRef>
+        </p:style>
+        <p:txBody>
+          <a:bodyPr rtlCol="0" anchor="ctr"/>
+          <a:lstStyle/>
+          <a:p>
+            <a:pPr algn="ctr"/>
+            <a:r>
+              <a:rPr lang="en-US" sz="1050" dirty="0">
+                <a:solidFill>
+                  <a:schemeClr val="bg1"/>
+                </a:solidFill>
+              </a:rPr>
+              <a:t>&lt;&lt;interface&gt;&gt;</a:t>
+            </a:r>
+          </a:p>
+          <a:p>
+            <a:pPr algn="ctr"/>
+            <a:r>
+              <a:rPr lang="en-US" sz="1050" dirty="0" err="1">
+                <a:solidFill>
+                  <a:schemeClr val="bg1"/>
+                </a:solidFill>
+              </a:rPr>
+              <a:t>OutletInformation</a:t>
+            </a:r>
+            <a:endParaRPr lang="en-US" sz="1050" dirty="0">
+              <a:solidFill>
+                <a:schemeClr val="bg1"/>
+              </a:solidFill>
+            </a:endParaRPr>
+          </a:p>
+          <a:p>
+            <a:pPr algn="ctr"/>
+            <a:r>
+              <a:rPr lang="en-US" sz="1050" dirty="0">
+                <a:solidFill>
+                  <a:schemeClr val="bg1"/>
+                </a:solidFill>
+              </a:rPr>
+              <a:t>Storage</a:t>
+            </a:r>
+            <a:endParaRPr lang="en-SG" sz="1050" dirty="0">
+              <a:solidFill>
+                <a:schemeClr val="bg1"/>
+              </a:solidFill>
+            </a:endParaRPr>
+          </a:p>
+        </p:txBody>
+      </p:sp>
+      <p:cxnSp>
+        <p:nvCxnSpPr>
+          <p:cNvPr id="37" name="Elbow Connector 63">
+            <a:extLst>
+              <a:ext uri="{FF2B5EF4-FFF2-40B4-BE49-F238E27FC236}">
+                <a16:creationId xmlns:a16="http://schemas.microsoft.com/office/drawing/2014/main" id="{202C5E3C-00DB-485A-8B96-928D1431FDE0}"/>
+              </a:ext>
+            </a:extLst>
+          </p:cNvPr>
+          <p:cNvCxnSpPr>
+            <a:cxnSpLocks/>
+            <a:stCxn id="38" idx="3"/>
+            <a:endCxn id="39" idx="1"/>
+          </p:cNvCxnSpPr>
+          <p:nvPr/>
+        </p:nvCxnSpPr>
+        <p:spPr>
+          <a:xfrm>
+            <a:off x="4424396" y="3965794"/>
+            <a:ext cx="193732" cy="529826"/>
+          </a:xfrm>
+          <a:prstGeom prst="bentConnector3">
+            <a:avLst>
+              <a:gd name="adj1" fmla="val 50000"/>
+            </a:avLst>
+          </a:prstGeom>
+          <a:ln w="19050">
+            <a:solidFill>
+              <a:schemeClr val="accent6">
+                <a:lumMod val="75000"/>
+              </a:schemeClr>
+            </a:solidFill>
+            <a:prstDash val="sysDot"/>
+            <a:headEnd type="none" w="med" len="med"/>
+            <a:tailEnd type="none" w="med" len="med"/>
+          </a:ln>
+          <a:effectLst/>
+        </p:spPr>
+        <p:style>
+          <a:lnRef idx="1">
+            <a:schemeClr val="accent2"/>
+          </a:lnRef>
+          <a:fillRef idx="2">
+            <a:schemeClr val="accent2"/>
+          </a:fillRef>
+          <a:effectRef idx="1">
+            <a:schemeClr val="accent2"/>
+          </a:effectRef>
+          <a:fontRef idx="minor">
+            <a:schemeClr val="dk1"/>
+          </a:fontRef>
+        </p:style>
+      </p:cxnSp>
+      <p:sp>
+        <p:nvSpPr>
+          <p:cNvPr id="38" name="Isosceles Triangle 102">
+            <a:extLst>
+              <a:ext uri="{FF2B5EF4-FFF2-40B4-BE49-F238E27FC236}">
+                <a16:creationId xmlns:a16="http://schemas.microsoft.com/office/drawing/2014/main" id="{239467D7-31D6-44FC-A1B3-493EC843A68A}"/>
+              </a:ext>
+            </a:extLst>
+          </p:cNvPr>
+          <p:cNvSpPr/>
+          <p:nvPr/>
+        </p:nvSpPr>
+        <p:spPr>
+          <a:xfrm rot="5400000" flipV="1">
+            <a:off x="4201382" y="3878032"/>
+            <a:ext cx="270504" cy="175523"/>
+          </a:xfrm>
+          <a:prstGeom prst="triangle">
+            <a:avLst/>
+          </a:prstGeom>
+          <a:solidFill>
+            <a:schemeClr val="accent6">
+              <a:lumMod val="75000"/>
+            </a:schemeClr>
+          </a:solidFill>
+          <a:ln w="19050">
+            <a:solidFill>
+              <a:schemeClr val="accent6">
+                <a:lumMod val="75000"/>
+              </a:schemeClr>
+            </a:solidFill>
+          </a:ln>
+          <a:effectLst/>
+        </p:spPr>
+        <p:style>
+          <a:lnRef idx="1">
+            <a:schemeClr val="accent2"/>
+          </a:lnRef>
+          <a:fillRef idx="2">
+            <a:schemeClr val="accent2"/>
+          </a:fillRef>
+          <a:effectRef idx="1">
+            <a:schemeClr val="accent2"/>
+          </a:effectRef>
+          <a:fontRef idx="minor">
+            <a:schemeClr val="dk1"/>
+          </a:fontRef>
+        </p:style>
+        <p:txBody>
+          <a:bodyPr rtlCol="0" anchor="ctr"/>
+          <a:lstStyle/>
+          <a:p>
+            <a:pPr algn="ctr"/>
+            <a:endParaRPr lang="en-SG" sz="1050" dirty="0">
+              <a:solidFill>
+                <a:schemeClr val="bg1"/>
+              </a:solidFill>
+            </a:endParaRPr>
+          </a:p>
+        </p:txBody>
+      </p:sp>
+      <p:sp>
+        <p:nvSpPr>
+          <p:cNvPr id="39" name="Rectangle 8">
+            <a:extLst>
+              <a:ext uri="{FF2B5EF4-FFF2-40B4-BE49-F238E27FC236}">
+                <a16:creationId xmlns:a16="http://schemas.microsoft.com/office/drawing/2014/main" id="{61822D4E-8697-4EDC-8E6A-4C36AABF009A}"/>
+              </a:ext>
+            </a:extLst>
+          </p:cNvPr>
+          <p:cNvSpPr/>
+          <p:nvPr/>
+        </p:nvSpPr>
+        <p:spPr>
+          <a:xfrm>
+            <a:off x="4618128" y="4322240"/>
+            <a:ext cx="1350665" cy="346760"/>
+          </a:xfrm>
+          <a:prstGeom prst="rect">
+            <a:avLst/>
+          </a:prstGeom>
+          <a:ln w="19050"/>
+          <a:effectLst/>
+        </p:spPr>
+        <p:style>
+          <a:lnRef idx="1">
+            <a:schemeClr val="accent6"/>
+          </a:lnRef>
+          <a:fillRef idx="2">
+            <a:schemeClr val="accent6"/>
+          </a:fillRef>
+          <a:effectRef idx="1">
+            <a:schemeClr val="accent6"/>
+          </a:effectRef>
+          <a:fontRef idx="minor">
+            <a:schemeClr val="dk1"/>
+          </a:fontRef>
+        </p:style>
+        <p:txBody>
+          <a:bodyPr rtlCol="0" anchor="ctr"/>
+          <a:lstStyle/>
+          <a:p>
+            <a:pPr algn="ctr"/>
+            <a:r>
+              <a:rPr lang="en-US" sz="1050" b="1" dirty="0" err="1">
+                <a:solidFill>
+                  <a:schemeClr val="accent6">
+                    <a:lumMod val="75000"/>
+                  </a:schemeClr>
+                </a:solidFill>
+              </a:rPr>
+              <a:t>XmlOutlet</a:t>
+            </a:r>
+            <a:endParaRPr lang="en-US" sz="1050" b="1" dirty="0">
+              <a:solidFill>
+                <a:schemeClr val="accent6">
+                  <a:lumMod val="75000"/>
+                </a:schemeClr>
+              </a:solidFill>
+            </a:endParaRPr>
+          </a:p>
+          <a:p>
+            <a:pPr algn="ctr"/>
+            <a:r>
+              <a:rPr lang="en-US" sz="1050" b="1" dirty="0" err="1">
+                <a:solidFill>
+                  <a:schemeClr val="accent6">
+                    <a:lumMod val="75000"/>
+                  </a:schemeClr>
+                </a:solidFill>
+              </a:rPr>
+              <a:t>InformationStorage</a:t>
+            </a:r>
+            <a:endParaRPr lang="en-SG" sz="1050" b="1" dirty="0">
+              <a:solidFill>
+                <a:schemeClr val="accent6">
+                  <a:lumMod val="75000"/>
+                </a:schemeClr>
+              </a:solidFill>
+            </a:endParaRPr>
+          </a:p>
+        </p:txBody>
+      </p:sp>
+      <p:cxnSp>
+        <p:nvCxnSpPr>
+          <p:cNvPr id="55" name="Elbow Connector 122">
+            <a:extLst>
+              <a:ext uri="{FF2B5EF4-FFF2-40B4-BE49-F238E27FC236}">
+                <a16:creationId xmlns:a16="http://schemas.microsoft.com/office/drawing/2014/main" id="{0B916784-E123-4810-9C85-A8FBDC182EB3}"/>
+              </a:ext>
+            </a:extLst>
+          </p:cNvPr>
+          <p:cNvCxnSpPr/>
+          <p:nvPr/>
+        </p:nvCxnSpPr>
+        <p:spPr>
+          <a:xfrm>
+            <a:off x="5991664" y="4493830"/>
+            <a:ext cx="228600" cy="1970"/>
+          </a:xfrm>
+          <a:prstGeom prst="bentConnector3">
+            <a:avLst>
+              <a:gd name="adj1" fmla="val 50000"/>
+            </a:avLst>
+          </a:prstGeom>
+          <a:ln w="19050">
+            <a:solidFill>
+              <a:schemeClr val="accent6">
+                <a:lumMod val="75000"/>
+              </a:schemeClr>
+            </a:solidFill>
+            <a:prstDash val="sysDot"/>
+            <a:headEnd type="none" w="med" len="med"/>
+            <a:tailEnd type="arrow" w="med" len="med"/>
+          </a:ln>
+          <a:effectLst/>
+        </p:spPr>
+        <p:style>
+          <a:lnRef idx="1">
+            <a:schemeClr val="accent2"/>
+          </a:lnRef>
+          <a:fillRef idx="2">
+            <a:schemeClr val="accent2"/>
+          </a:fillRef>
+          <a:effectRef idx="1">
+            <a:schemeClr val="accent2"/>
+          </a:effectRef>
+          <a:fontRef idx="minor">
+            <a:schemeClr val="dk1"/>
+          </a:fontRef>
+        </p:style>
+      </p:cxnSp>
+      <p:sp>
+        <p:nvSpPr>
+          <p:cNvPr id="59" name="Rectangle 8">
+            <a:extLst>
+              <a:ext uri="{FF2B5EF4-FFF2-40B4-BE49-F238E27FC236}">
+                <a16:creationId xmlns:a16="http://schemas.microsoft.com/office/drawing/2014/main" id="{522DCDBD-3EF5-4299-830F-C55B5CA4B8E8}"/>
+              </a:ext>
+            </a:extLst>
+          </p:cNvPr>
+          <p:cNvSpPr/>
+          <p:nvPr/>
+        </p:nvSpPr>
+        <p:spPr>
+          <a:xfrm>
+            <a:off x="6220989" y="4329614"/>
+            <a:ext cx="1259718" cy="334940"/>
+          </a:xfrm>
+          <a:prstGeom prst="rect">
+            <a:avLst/>
+          </a:prstGeom>
+          <a:ln w="19050"/>
+          <a:effectLst/>
+        </p:spPr>
+        <p:style>
+          <a:lnRef idx="1">
+            <a:schemeClr val="accent6"/>
+          </a:lnRef>
+          <a:fillRef idx="2">
+            <a:schemeClr val="accent6"/>
+          </a:fillRef>
+          <a:effectRef idx="1">
+            <a:schemeClr val="accent6"/>
+          </a:effectRef>
+          <a:fontRef idx="minor">
+            <a:schemeClr val="dk1"/>
+          </a:fontRef>
+        </p:style>
+        <p:txBody>
+          <a:bodyPr rtlCol="0" anchor="ctr"/>
+          <a:lstStyle/>
+          <a:p>
+            <a:pPr algn="ctr"/>
+            <a:r>
+              <a:rPr lang="en-US" sz="1050" b="1" dirty="0" err="1">
+                <a:solidFill>
+                  <a:schemeClr val="accent6">
+                    <a:lumMod val="75000"/>
+                  </a:schemeClr>
+                </a:solidFill>
+              </a:rPr>
+              <a:t>XmlAdapted</a:t>
+            </a:r>
+            <a:endParaRPr lang="en-US" sz="1050" b="1" dirty="0">
+              <a:solidFill>
+                <a:schemeClr val="accent6">
+                  <a:lumMod val="75000"/>
+                </a:schemeClr>
+              </a:solidFill>
+            </a:endParaRPr>
+          </a:p>
+          <a:p>
+            <a:pPr algn="ctr"/>
+            <a:r>
+              <a:rPr lang="en-US" sz="1050" b="1" dirty="0" err="1">
+                <a:solidFill>
+                  <a:schemeClr val="accent6">
+                    <a:lumMod val="75000"/>
+                  </a:schemeClr>
+                </a:solidFill>
+              </a:rPr>
+              <a:t>OutletInformation</a:t>
+            </a:r>
+            <a:endParaRPr lang="en-SG" sz="1050" b="1" dirty="0">
+              <a:solidFill>
+                <a:schemeClr val="accent6">
+                  <a:lumMod val="75000"/>
+                </a:schemeClr>
+              </a:solidFill>
+            </a:endParaRPr>
+          </a:p>
+        </p:txBody>
+      </p:sp>
     </p:spTree>
     <p:extLst>
       <p:ext uri="{BB962C8B-B14F-4D97-AF65-F5344CB8AC3E}">
